--- a/week2/Photodetachment Rate at Saturn - Draft.pptx
+++ b/week2/Photodetachment Rate at Saturn - Draft.pptx
@@ -3172,7 +3172,7 @@
       </p:pic>
       <p:pic>
         <p:nvPicPr>
-          <p:cNvPr id="6" name="图片 5" descr="h- compare"/>
+          <p:cNvPr id="3" name="图片 2" descr="h"/>
           <p:cNvPicPr>
             <a:picLocks noChangeAspect="1"/>
           </p:cNvPicPr>
@@ -3186,8 +3186,8 @@
         </p:blipFill>
         <p:spPr>
           <a:xfrm>
-            <a:off x="2810510" y="3645535"/>
-            <a:ext cx="3941445" cy="2816860"/>
+            <a:off x="2697480" y="3644900"/>
+            <a:ext cx="4224655" cy="2816860"/>
           </a:xfrm>
           <a:prstGeom prst="rect">
             <a:avLst/>
@@ -3196,7 +3196,7 @@
       </p:pic>
       <p:pic>
         <p:nvPicPr>
-          <p:cNvPr id="7" name="图片 6" descr="o- compare"/>
+          <p:cNvPr id="8" name="图片 7" descr="o"/>
           <p:cNvPicPr>
             <a:picLocks noChangeAspect="1"/>
           </p:cNvPicPr>
@@ -3210,8 +3210,8 @@
         </p:blipFill>
         <p:spPr>
           <a:xfrm>
-            <a:off x="6922135" y="3645535"/>
-            <a:ext cx="4011295" cy="2816225"/>
+            <a:off x="6922135" y="3644900"/>
+            <a:ext cx="4224655" cy="2816860"/>
           </a:xfrm>
           <a:prstGeom prst="rect">
             <a:avLst/>
@@ -4622,7 +4622,7 @@
           <a:p>
             <a:r>
               <a:rPr lang="en-US" altLang="zh-CN"/>
-              <a:t>Cross section of OH-, H2O-, H3O- if exist</a:t>
+              <a:t>Cross section of OH-, H2O-, H3O- if they exist</a:t>
             </a:r>
             <a:endParaRPr lang="en-US" altLang="zh-CN"/>
           </a:p>

--- a/week2/Photodetachment Rate at Saturn - Draft.pptx
+++ b/week2/Photodetachment Rate at Saturn - Draft.pptx
@@ -5,17 +5,17 @@
     <p:sldMasterId id="2147483648" r:id="rId1"/>
   </p:sldMasterIdLst>
   <p:sldIdLst>
-    <p:sldId id="256" r:id="rId3"/>
-    <p:sldId id="257" r:id="rId4"/>
-    <p:sldId id="261" r:id="rId5"/>
-    <p:sldId id="262" r:id="rId6"/>
-    <p:sldId id="270" r:id="rId7"/>
-    <p:sldId id="275" r:id="rId8"/>
-    <p:sldId id="276" r:id="rId9"/>
-    <p:sldId id="258" r:id="rId10"/>
-    <p:sldId id="259" r:id="rId11"/>
-    <p:sldId id="260" r:id="rId12"/>
-    <p:sldId id="271" r:id="rId13"/>
+    <p:sldId id="256" r:id="rId2"/>
+    <p:sldId id="257" r:id="rId3"/>
+    <p:sldId id="261" r:id="rId4"/>
+    <p:sldId id="262" r:id="rId5"/>
+    <p:sldId id="270" r:id="rId6"/>
+    <p:sldId id="275" r:id="rId7"/>
+    <p:sldId id="276" r:id="rId8"/>
+    <p:sldId id="258" r:id="rId9"/>
+    <p:sldId id="259" r:id="rId10"/>
+    <p:sldId id="260" r:id="rId11"/>
+    <p:sldId id="271" r:id="rId12"/>
   </p:sldIdLst>
   <p:sldSz cx="12192000" cy="6858000"/>
   <p:notesSz cx="6858000" cy="9144000"/>
@@ -114,6 +114,11 @@
       </a:defRPr>
     </a:lvl9pPr>
   </p:defaultTextStyle>
+  <p:extLst>
+    <p:ext uri="{EFAFB233-063F-42B5-8137-9DF3F51BA10A}">
+      <p15:sldGuideLst xmlns:p15="http://schemas.microsoft.com/office/powerpoint/2012/main"/>
+    </p:ext>
+  </p:extLst>
 </p:presentation>
 </file>
 
@@ -248,6 +253,7 @@
           <a:p>
             <a:fld id="{D997B5FA-0921-464F-AAE1-844C04324D75}" type="datetimeFigureOut">
               <a:rPr lang="zh-CN" altLang="en-US" smtClean="0"/>
+              <a:t>2018/5/24</a:t>
             </a:fld>
             <a:endParaRPr lang="zh-CN" altLang="en-US"/>
           </a:p>
@@ -289,6 +295,7 @@
           <a:p>
             <a:fld id="{565CE74E-AB26-4998-AD42-012C4C1AD076}" type="slidenum">
               <a:rPr lang="zh-CN" altLang="en-US" smtClean="0"/>
+              <a:t>‹#›</a:t>
             </a:fld>
             <a:endParaRPr lang="zh-CN" altLang="en-US"/>
           </a:p>
@@ -362,7 +369,6 @@
               <a:rPr lang="zh-CN" altLang="en-US" smtClean="0"/>
               <a:t>单击此处编辑母版文本样式</a:t>
             </a:r>
-            <a:endParaRPr lang="zh-CN" altLang="en-US" smtClean="0"/>
           </a:p>
           <a:p>
             <a:pPr lvl="1"/>
@@ -370,7 +376,6 @@
               <a:rPr lang="zh-CN" altLang="en-US" smtClean="0"/>
               <a:t>第二级</a:t>
             </a:r>
-            <a:endParaRPr lang="zh-CN" altLang="en-US" smtClean="0"/>
           </a:p>
           <a:p>
             <a:pPr lvl="2"/>
@@ -378,7 +383,6 @@
               <a:rPr lang="zh-CN" altLang="en-US" smtClean="0"/>
               <a:t>第三级</a:t>
             </a:r>
-            <a:endParaRPr lang="zh-CN" altLang="en-US" smtClean="0"/>
           </a:p>
           <a:p>
             <a:pPr lvl="3"/>
@@ -386,7 +390,6 @@
               <a:rPr lang="zh-CN" altLang="en-US" smtClean="0"/>
               <a:t>第四级</a:t>
             </a:r>
-            <a:endParaRPr lang="zh-CN" altLang="en-US" smtClean="0"/>
           </a:p>
           <a:p>
             <a:pPr lvl="4"/>
@@ -415,6 +418,7 @@
           <a:p>
             <a:fld id="{D997B5FA-0921-464F-AAE1-844C04324D75}" type="datetimeFigureOut">
               <a:rPr lang="zh-CN" altLang="en-US" smtClean="0"/>
+              <a:t>2018/5/24</a:t>
             </a:fld>
             <a:endParaRPr lang="zh-CN" altLang="en-US"/>
           </a:p>
@@ -456,6 +460,7 @@
           <a:p>
             <a:fld id="{565CE74E-AB26-4998-AD42-012C4C1AD076}" type="slidenum">
               <a:rPr lang="zh-CN" altLang="en-US" smtClean="0"/>
+              <a:t>‹#›</a:t>
             </a:fld>
             <a:endParaRPr lang="zh-CN" altLang="en-US"/>
           </a:p>
@@ -539,7 +544,6 @@
               <a:rPr lang="zh-CN" altLang="en-US" smtClean="0"/>
               <a:t>单击此处编辑母版文本样式</a:t>
             </a:r>
-            <a:endParaRPr lang="zh-CN" altLang="en-US" smtClean="0"/>
           </a:p>
           <a:p>
             <a:pPr lvl="1"/>
@@ -547,7 +551,6 @@
               <a:rPr lang="zh-CN" altLang="en-US" smtClean="0"/>
               <a:t>第二级</a:t>
             </a:r>
-            <a:endParaRPr lang="zh-CN" altLang="en-US" smtClean="0"/>
           </a:p>
           <a:p>
             <a:pPr lvl="2"/>
@@ -555,7 +558,6 @@
               <a:rPr lang="zh-CN" altLang="en-US" smtClean="0"/>
               <a:t>第三级</a:t>
             </a:r>
-            <a:endParaRPr lang="zh-CN" altLang="en-US" smtClean="0"/>
           </a:p>
           <a:p>
             <a:pPr lvl="3"/>
@@ -563,7 +565,6 @@
               <a:rPr lang="zh-CN" altLang="en-US" smtClean="0"/>
               <a:t>第四级</a:t>
             </a:r>
-            <a:endParaRPr lang="zh-CN" altLang="en-US" smtClean="0"/>
           </a:p>
           <a:p>
             <a:pPr lvl="4"/>
@@ -592,6 +593,7 @@
           <a:p>
             <a:fld id="{D997B5FA-0921-464F-AAE1-844C04324D75}" type="datetimeFigureOut">
               <a:rPr lang="zh-CN" altLang="en-US" smtClean="0"/>
+              <a:t>2018/5/24</a:t>
             </a:fld>
             <a:endParaRPr lang="zh-CN" altLang="en-US"/>
           </a:p>
@@ -633,6 +635,7 @@
           <a:p>
             <a:fld id="{565CE74E-AB26-4998-AD42-012C4C1AD076}" type="slidenum">
               <a:rPr lang="zh-CN" altLang="en-US" smtClean="0"/>
+              <a:t>‹#›</a:t>
             </a:fld>
             <a:endParaRPr lang="zh-CN" altLang="en-US"/>
           </a:p>
@@ -706,7 +709,6 @@
               <a:rPr lang="zh-CN" altLang="en-US" smtClean="0"/>
               <a:t>单击此处编辑母版文本样式</a:t>
             </a:r>
-            <a:endParaRPr lang="zh-CN" altLang="en-US" smtClean="0"/>
           </a:p>
           <a:p>
             <a:pPr lvl="1"/>
@@ -714,7 +716,6 @@
               <a:rPr lang="zh-CN" altLang="en-US" smtClean="0"/>
               <a:t>第二级</a:t>
             </a:r>
-            <a:endParaRPr lang="zh-CN" altLang="en-US" smtClean="0"/>
           </a:p>
           <a:p>
             <a:pPr lvl="2"/>
@@ -722,7 +723,6 @@
               <a:rPr lang="zh-CN" altLang="en-US" smtClean="0"/>
               <a:t>第三级</a:t>
             </a:r>
-            <a:endParaRPr lang="zh-CN" altLang="en-US" smtClean="0"/>
           </a:p>
           <a:p>
             <a:pPr lvl="3"/>
@@ -730,7 +730,6 @@
               <a:rPr lang="zh-CN" altLang="en-US" smtClean="0"/>
               <a:t>第四级</a:t>
             </a:r>
-            <a:endParaRPr lang="zh-CN" altLang="en-US" smtClean="0"/>
           </a:p>
           <a:p>
             <a:pPr lvl="4"/>
@@ -759,6 +758,7 @@
           <a:p>
             <a:fld id="{D997B5FA-0921-464F-AAE1-844C04324D75}" type="datetimeFigureOut">
               <a:rPr lang="zh-CN" altLang="en-US" smtClean="0"/>
+              <a:t>2018/5/24</a:t>
             </a:fld>
             <a:endParaRPr lang="zh-CN" altLang="en-US"/>
           </a:p>
@@ -800,6 +800,7 @@
           <a:p>
             <a:fld id="{565CE74E-AB26-4998-AD42-012C4C1AD076}" type="slidenum">
               <a:rPr lang="zh-CN" altLang="en-US" smtClean="0"/>
+              <a:t>‹#›</a:t>
             </a:fld>
             <a:endParaRPr lang="zh-CN" altLang="en-US"/>
           </a:p>
@@ -978,7 +979,6 @@
               <a:rPr lang="zh-CN" altLang="en-US" smtClean="0"/>
               <a:t>单击此处编辑母版文本样式</a:t>
             </a:r>
-            <a:endParaRPr lang="zh-CN" altLang="en-US" smtClean="0"/>
           </a:p>
         </p:txBody>
       </p:sp>
@@ -999,6 +999,7 @@
           <a:p>
             <a:fld id="{D997B5FA-0921-464F-AAE1-844C04324D75}" type="datetimeFigureOut">
               <a:rPr lang="zh-CN" altLang="en-US" smtClean="0"/>
+              <a:t>2018/5/24</a:t>
             </a:fld>
             <a:endParaRPr lang="zh-CN" altLang="en-US"/>
           </a:p>
@@ -1040,6 +1041,7 @@
           <a:p>
             <a:fld id="{565CE74E-AB26-4998-AD42-012C4C1AD076}" type="slidenum">
               <a:rPr lang="zh-CN" altLang="en-US" smtClean="0"/>
+              <a:t>‹#›</a:t>
             </a:fld>
             <a:endParaRPr lang="zh-CN" altLang="en-US"/>
           </a:p>
@@ -1118,7 +1120,6 @@
               <a:rPr lang="zh-CN" altLang="en-US" smtClean="0"/>
               <a:t>单击此处编辑母版文本样式</a:t>
             </a:r>
-            <a:endParaRPr lang="zh-CN" altLang="en-US" smtClean="0"/>
           </a:p>
           <a:p>
             <a:pPr lvl="1"/>
@@ -1126,7 +1127,6 @@
               <a:rPr lang="zh-CN" altLang="en-US" smtClean="0"/>
               <a:t>第二级</a:t>
             </a:r>
-            <a:endParaRPr lang="zh-CN" altLang="en-US" smtClean="0"/>
           </a:p>
           <a:p>
             <a:pPr lvl="2"/>
@@ -1134,7 +1134,6 @@
               <a:rPr lang="zh-CN" altLang="en-US" smtClean="0"/>
               <a:t>第三级</a:t>
             </a:r>
-            <a:endParaRPr lang="zh-CN" altLang="en-US" smtClean="0"/>
           </a:p>
           <a:p>
             <a:pPr lvl="3"/>
@@ -1142,7 +1141,6 @@
               <a:rPr lang="zh-CN" altLang="en-US" smtClean="0"/>
               <a:t>第四级</a:t>
             </a:r>
-            <a:endParaRPr lang="zh-CN" altLang="en-US" smtClean="0"/>
           </a:p>
           <a:p>
             <a:pPr lvl="4"/>
@@ -1179,7 +1177,6 @@
               <a:rPr lang="zh-CN" altLang="en-US" smtClean="0"/>
               <a:t>单击此处编辑母版文本样式</a:t>
             </a:r>
-            <a:endParaRPr lang="zh-CN" altLang="en-US" smtClean="0"/>
           </a:p>
           <a:p>
             <a:pPr lvl="1"/>
@@ -1187,7 +1184,6 @@
               <a:rPr lang="zh-CN" altLang="en-US" smtClean="0"/>
               <a:t>第二级</a:t>
             </a:r>
-            <a:endParaRPr lang="zh-CN" altLang="en-US" smtClean="0"/>
           </a:p>
           <a:p>
             <a:pPr lvl="2"/>
@@ -1195,7 +1191,6 @@
               <a:rPr lang="zh-CN" altLang="en-US" smtClean="0"/>
               <a:t>第三级</a:t>
             </a:r>
-            <a:endParaRPr lang="zh-CN" altLang="en-US" smtClean="0"/>
           </a:p>
           <a:p>
             <a:pPr lvl="3"/>
@@ -1203,7 +1198,6 @@
               <a:rPr lang="zh-CN" altLang="en-US" smtClean="0"/>
               <a:t>第四级</a:t>
             </a:r>
-            <a:endParaRPr lang="zh-CN" altLang="en-US" smtClean="0"/>
           </a:p>
           <a:p>
             <a:pPr lvl="4"/>
@@ -1232,6 +1226,7 @@
           <a:p>
             <a:fld id="{D997B5FA-0921-464F-AAE1-844C04324D75}" type="datetimeFigureOut">
               <a:rPr lang="zh-CN" altLang="en-US" smtClean="0"/>
+              <a:t>2018/5/24</a:t>
             </a:fld>
             <a:endParaRPr lang="zh-CN" altLang="en-US"/>
           </a:p>
@@ -1273,6 +1268,7 @@
           <a:p>
             <a:fld id="{565CE74E-AB26-4998-AD42-012C4C1AD076}" type="slidenum">
               <a:rPr lang="zh-CN" altLang="en-US" smtClean="0"/>
+              <a:t>‹#›</a:t>
             </a:fld>
             <a:endParaRPr lang="zh-CN" altLang="en-US"/>
           </a:p>
@@ -1393,7 +1389,6 @@
               <a:rPr lang="zh-CN" altLang="en-US" smtClean="0"/>
               <a:t>单击此处编辑母版文本样式</a:t>
             </a:r>
-            <a:endParaRPr lang="zh-CN" altLang="en-US" smtClean="0"/>
           </a:p>
         </p:txBody>
       </p:sp>
@@ -1422,7 +1417,6 @@
               <a:rPr lang="zh-CN" altLang="en-US" smtClean="0"/>
               <a:t>单击此处编辑母版文本样式</a:t>
             </a:r>
-            <a:endParaRPr lang="zh-CN" altLang="en-US" smtClean="0"/>
           </a:p>
           <a:p>
             <a:pPr lvl="1"/>
@@ -1430,7 +1424,6 @@
               <a:rPr lang="zh-CN" altLang="en-US" smtClean="0"/>
               <a:t>第二级</a:t>
             </a:r>
-            <a:endParaRPr lang="zh-CN" altLang="en-US" smtClean="0"/>
           </a:p>
           <a:p>
             <a:pPr lvl="2"/>
@@ -1438,7 +1431,6 @@
               <a:rPr lang="zh-CN" altLang="en-US" smtClean="0"/>
               <a:t>第三级</a:t>
             </a:r>
-            <a:endParaRPr lang="zh-CN" altLang="en-US" smtClean="0"/>
           </a:p>
           <a:p>
             <a:pPr lvl="3"/>
@@ -1446,7 +1438,6 @@
               <a:rPr lang="zh-CN" altLang="en-US" smtClean="0"/>
               <a:t>第四级</a:t>
             </a:r>
-            <a:endParaRPr lang="zh-CN" altLang="en-US" smtClean="0"/>
           </a:p>
           <a:p>
             <a:pPr lvl="4"/>
@@ -1520,7 +1511,6 @@
               <a:rPr lang="zh-CN" altLang="en-US" smtClean="0"/>
               <a:t>单击此处编辑母版文本样式</a:t>
             </a:r>
-            <a:endParaRPr lang="zh-CN" altLang="en-US" smtClean="0"/>
           </a:p>
         </p:txBody>
       </p:sp>
@@ -1549,7 +1539,6 @@
               <a:rPr lang="zh-CN" altLang="en-US" smtClean="0"/>
               <a:t>单击此处编辑母版文本样式</a:t>
             </a:r>
-            <a:endParaRPr lang="zh-CN" altLang="en-US" smtClean="0"/>
           </a:p>
           <a:p>
             <a:pPr lvl="1"/>
@@ -1557,7 +1546,6 @@
               <a:rPr lang="zh-CN" altLang="en-US" smtClean="0"/>
               <a:t>第二级</a:t>
             </a:r>
-            <a:endParaRPr lang="zh-CN" altLang="en-US" smtClean="0"/>
           </a:p>
           <a:p>
             <a:pPr lvl="2"/>
@@ -1565,7 +1553,6 @@
               <a:rPr lang="zh-CN" altLang="en-US" smtClean="0"/>
               <a:t>第三级</a:t>
             </a:r>
-            <a:endParaRPr lang="zh-CN" altLang="en-US" smtClean="0"/>
           </a:p>
           <a:p>
             <a:pPr lvl="3"/>
@@ -1573,7 +1560,6 @@
               <a:rPr lang="zh-CN" altLang="en-US" smtClean="0"/>
               <a:t>第四级</a:t>
             </a:r>
-            <a:endParaRPr lang="zh-CN" altLang="en-US" smtClean="0"/>
           </a:p>
           <a:p>
             <a:pPr lvl="4"/>
@@ -1602,6 +1588,7 @@
           <a:p>
             <a:fld id="{D997B5FA-0921-464F-AAE1-844C04324D75}" type="datetimeFigureOut">
               <a:rPr lang="zh-CN" altLang="en-US" smtClean="0"/>
+              <a:t>2018/5/24</a:t>
             </a:fld>
             <a:endParaRPr lang="zh-CN" altLang="en-US"/>
           </a:p>
@@ -1643,6 +1630,7 @@
           <a:p>
             <a:fld id="{565CE74E-AB26-4998-AD42-012C4C1AD076}" type="slidenum">
               <a:rPr lang="zh-CN" altLang="en-US" smtClean="0"/>
+              <a:t>‹#›</a:t>
             </a:fld>
             <a:endParaRPr lang="zh-CN" altLang="en-US"/>
           </a:p>
@@ -1713,6 +1701,7 @@
           <a:p>
             <a:fld id="{D997B5FA-0921-464F-AAE1-844C04324D75}" type="datetimeFigureOut">
               <a:rPr lang="zh-CN" altLang="en-US" smtClean="0"/>
+              <a:t>2018/5/24</a:t>
             </a:fld>
             <a:endParaRPr lang="zh-CN" altLang="en-US"/>
           </a:p>
@@ -1754,6 +1743,7 @@
           <a:p>
             <a:fld id="{565CE74E-AB26-4998-AD42-012C4C1AD076}" type="slidenum">
               <a:rPr lang="zh-CN" altLang="en-US" smtClean="0"/>
+              <a:t>‹#›</a:t>
             </a:fld>
             <a:endParaRPr lang="zh-CN" altLang="en-US"/>
           </a:p>
@@ -1801,6 +1791,7 @@
           <a:p>
             <a:fld id="{D997B5FA-0921-464F-AAE1-844C04324D75}" type="datetimeFigureOut">
               <a:rPr lang="zh-CN" altLang="en-US" smtClean="0"/>
+              <a:t>2018/5/24</a:t>
             </a:fld>
             <a:endParaRPr lang="zh-CN" altLang="en-US"/>
           </a:p>
@@ -1842,6 +1833,7 @@
           <a:p>
             <a:fld id="{565CE74E-AB26-4998-AD42-012C4C1AD076}" type="slidenum">
               <a:rPr lang="zh-CN" altLang="en-US" smtClean="0"/>
+              <a:t>‹#›</a:t>
             </a:fld>
             <a:endParaRPr lang="zh-CN" altLang="en-US"/>
           </a:p>
@@ -1957,7 +1949,6 @@
               <a:rPr lang="zh-CN" altLang="en-US" smtClean="0"/>
               <a:t>单击此处编辑母版文本样式</a:t>
             </a:r>
-            <a:endParaRPr lang="zh-CN" altLang="en-US" smtClean="0"/>
           </a:p>
           <a:p>
             <a:pPr lvl="1"/>
@@ -1965,7 +1956,6 @@
               <a:rPr lang="zh-CN" altLang="en-US" smtClean="0"/>
               <a:t>第二级</a:t>
             </a:r>
-            <a:endParaRPr lang="zh-CN" altLang="en-US" smtClean="0"/>
           </a:p>
           <a:p>
             <a:pPr lvl="2"/>
@@ -1973,7 +1963,6 @@
               <a:rPr lang="zh-CN" altLang="en-US" smtClean="0"/>
               <a:t>第三级</a:t>
             </a:r>
-            <a:endParaRPr lang="zh-CN" altLang="en-US" smtClean="0"/>
           </a:p>
           <a:p>
             <a:pPr lvl="3"/>
@@ -1981,7 +1970,6 @@
               <a:rPr lang="zh-CN" altLang="en-US" smtClean="0"/>
               <a:t>第四级</a:t>
             </a:r>
-            <a:endParaRPr lang="zh-CN" altLang="en-US" smtClean="0"/>
           </a:p>
           <a:p>
             <a:pPr lvl="4"/>
@@ -2055,7 +2043,6 @@
               <a:rPr lang="zh-CN" altLang="en-US" smtClean="0"/>
               <a:t>单击此处编辑母版文本样式</a:t>
             </a:r>
-            <a:endParaRPr lang="zh-CN" altLang="en-US" smtClean="0"/>
           </a:p>
         </p:txBody>
       </p:sp>
@@ -2076,6 +2063,7 @@
           <a:p>
             <a:fld id="{D997B5FA-0921-464F-AAE1-844C04324D75}" type="datetimeFigureOut">
               <a:rPr lang="zh-CN" altLang="en-US" smtClean="0"/>
+              <a:t>2018/5/24</a:t>
             </a:fld>
             <a:endParaRPr lang="zh-CN" altLang="en-US"/>
           </a:p>
@@ -2117,6 +2105,7 @@
           <a:p>
             <a:fld id="{565CE74E-AB26-4998-AD42-012C4C1AD076}" type="slidenum">
               <a:rPr lang="zh-CN" altLang="en-US" smtClean="0"/>
+              <a:t>‹#›</a:t>
             </a:fld>
             <a:endParaRPr lang="zh-CN" altLang="en-US"/>
           </a:p>
@@ -2302,7 +2291,6 @@
               <a:rPr lang="zh-CN" altLang="en-US" smtClean="0"/>
               <a:t>单击此处编辑母版文本样式</a:t>
             </a:r>
-            <a:endParaRPr lang="zh-CN" altLang="en-US" smtClean="0"/>
           </a:p>
         </p:txBody>
       </p:sp>
@@ -2323,6 +2311,7 @@
           <a:p>
             <a:fld id="{D997B5FA-0921-464F-AAE1-844C04324D75}" type="datetimeFigureOut">
               <a:rPr lang="zh-CN" altLang="en-US" smtClean="0"/>
+              <a:t>2018/5/24</a:t>
             </a:fld>
             <a:endParaRPr lang="zh-CN" altLang="en-US"/>
           </a:p>
@@ -2364,6 +2353,7 @@
           <a:p>
             <a:fld id="{565CE74E-AB26-4998-AD42-012C4C1AD076}" type="slidenum">
               <a:rPr lang="zh-CN" altLang="en-US" smtClean="0"/>
+              <a:t>‹#›</a:t>
             </a:fld>
             <a:endParaRPr lang="zh-CN" altLang="en-US"/>
           </a:p>
@@ -2462,7 +2452,6 @@
               <a:rPr lang="zh-CN" altLang="en-US" smtClean="0"/>
               <a:t>单击此处编辑母版文本样式</a:t>
             </a:r>
-            <a:endParaRPr lang="zh-CN" altLang="en-US" smtClean="0"/>
           </a:p>
           <a:p>
             <a:pPr lvl="1"/>
@@ -2470,7 +2459,6 @@
               <a:rPr lang="zh-CN" altLang="en-US" smtClean="0"/>
               <a:t>第二级</a:t>
             </a:r>
-            <a:endParaRPr lang="zh-CN" altLang="en-US" smtClean="0"/>
           </a:p>
           <a:p>
             <a:pPr lvl="2"/>
@@ -2478,7 +2466,6 @@
               <a:rPr lang="zh-CN" altLang="en-US" smtClean="0"/>
               <a:t>第三级</a:t>
             </a:r>
-            <a:endParaRPr lang="zh-CN" altLang="en-US" smtClean="0"/>
           </a:p>
           <a:p>
             <a:pPr lvl="3"/>
@@ -2486,7 +2473,6 @@
               <a:rPr lang="zh-CN" altLang="en-US" smtClean="0"/>
               <a:t>第四级</a:t>
             </a:r>
-            <a:endParaRPr lang="zh-CN" altLang="en-US" smtClean="0"/>
           </a:p>
           <a:p>
             <a:pPr lvl="4"/>
@@ -2533,6 +2519,7 @@
           <a:p>
             <a:fld id="{D997B5FA-0921-464F-AAE1-844C04324D75}" type="datetimeFigureOut">
               <a:rPr lang="zh-CN" altLang="en-US" smtClean="0"/>
+              <a:t>2018/5/24</a:t>
             </a:fld>
             <a:endParaRPr lang="zh-CN" altLang="en-US"/>
           </a:p>
@@ -2610,6 +2597,7 @@
           <a:p>
             <a:fld id="{565CE74E-AB26-4998-AD42-012C4C1AD076}" type="slidenum">
               <a:rPr lang="zh-CN" altLang="en-US" smtClean="0"/>
+              <a:t>‹#›</a:t>
             </a:fld>
             <a:endParaRPr lang="zh-CN" altLang="en-US"/>
           </a:p>
@@ -2923,7 +2911,14 @@
         <p:cNvGrpSpPr/>
         <p:nvPr/>
       </p:nvGrpSpPr>
-      <p:grpSpPr/>
+      <p:grpSpPr>
+        <a:xfrm>
+          <a:off x="0" y="0"/>
+          <a:ext cx="0" cy="0"/>
+          <a:chOff x="0" y="0"/>
+          <a:chExt cx="0" cy="0"/>
+        </a:xfrm>
+      </p:grpSpPr>
       <p:sp>
         <p:nvSpPr>
           <p:cNvPr id="2" name="标题 1"/>
@@ -2937,12 +2932,12 @@
         <p:spPr/>
         <p:txBody>
           <a:bodyPr/>
+          <a:lstStyle/>
           <a:p>
             <a:r>
               <a:rPr lang="en-US" altLang="zh-CN"/>
               <a:t>1st Year Project</a:t>
             </a:r>
-            <a:endParaRPr lang="en-US" altLang="zh-CN"/>
           </a:p>
         </p:txBody>
       </p:sp>
@@ -2959,19 +2954,18 @@
         <p:spPr/>
         <p:txBody>
           <a:bodyPr/>
+          <a:lstStyle/>
           <a:p>
             <a:r>
               <a:rPr lang="en-US" altLang="zh-CN"/>
               <a:t>Photodetachment Rates at Saturn</a:t>
             </a:r>
-            <a:endParaRPr lang="en-US" altLang="zh-CN"/>
           </a:p>
           <a:p>
             <a:r>
               <a:rPr lang="en-US" altLang="zh-CN"/>
               <a:t>up to week 2</a:t>
             </a:r>
-            <a:endParaRPr lang="en-US" altLang="zh-CN"/>
           </a:p>
         </p:txBody>
       </p:sp>
@@ -2992,7 +2986,14 @@
         <p:cNvGrpSpPr/>
         <p:nvPr/>
       </p:nvGrpSpPr>
-      <p:grpSpPr/>
+      <p:grpSpPr>
+        <a:xfrm>
+          <a:off x="0" y="0"/>
+          <a:ext cx="0" cy="0"/>
+          <a:chOff x="0" y="0"/>
+          <a:chExt cx="0" cy="0"/>
+        </a:xfrm>
+      </p:grpSpPr>
       <p:sp>
         <p:nvSpPr>
           <p:cNvPr id="4" name="标题 3"/>
@@ -3011,6 +3012,7 @@
         </p:spPr>
         <p:txBody>
           <a:bodyPr/>
+          <a:lstStyle/>
           <a:p>
             <a:r>
               <a:rPr lang="en-US" altLang="zh-CN">
@@ -3035,26 +3037,24 @@
         <p:spPr/>
         <p:txBody>
           <a:bodyPr/>
+          <a:lstStyle/>
           <a:p>
             <a:r>
               <a:rPr lang="en-US" altLang="zh-CN"/>
               <a:t>First grey line = at Earth</a:t>
             </a:r>
-            <a:endParaRPr lang="en-US" altLang="zh-CN"/>
           </a:p>
           <a:p>
             <a:r>
               <a:rPr lang="en-US" altLang="zh-CN"/>
               <a:t>Second grey line = at Jupiter</a:t>
             </a:r>
-            <a:endParaRPr lang="en-US" altLang="zh-CN"/>
           </a:p>
           <a:p>
             <a:r>
               <a:rPr lang="en-US" altLang="zh-CN"/>
               <a:t>Third grey line = at Saturn</a:t>
             </a:r>
-            <a:endParaRPr lang="en-US" altLang="zh-CN"/>
           </a:p>
         </p:txBody>
       </p:sp>
@@ -3062,14 +3062,14 @@
         <p:nvPicPr>
           <p:cNvPr id="2" name="图片占位符 1"/>
           <p:cNvPicPr>
-            <a:picLocks noChangeAspect="1"/>
+            <a:picLocks noGrp="1" noChangeAspect="1"/>
           </p:cNvPicPr>
           <p:nvPr>
             <p:ph type="pic" idx="1"/>
           </p:nvPr>
         </p:nvPicPr>
         <p:blipFill>
-          <a:blip r:embed="rId1"/>
+          <a:blip r:embed="rId2"/>
           <a:stretch>
             <a:fillRect/>
           </a:stretch>
@@ -3101,7 +3101,14 @@
         <p:cNvGrpSpPr/>
         <p:nvPr/>
       </p:nvGrpSpPr>
-      <p:grpSpPr/>
+      <p:grpSpPr>
+        <a:xfrm>
+          <a:off x="0" y="0"/>
+          <a:ext cx="0" cy="0"/>
+          <a:chOff x="0" y="0"/>
+          <a:chExt cx="0" cy="0"/>
+        </a:xfrm>
+      </p:grpSpPr>
       <p:sp>
         <p:nvSpPr>
           <p:cNvPr id="2" name="标题 1"/>
@@ -3115,12 +3122,12 @@
         <p:spPr/>
         <p:txBody>
           <a:bodyPr/>
+          <a:lstStyle/>
           <a:p>
             <a:r>
               <a:rPr lang="en-US" altLang="zh-CN"/>
               <a:t>Comparison</a:t>
             </a:r>
-            <a:endParaRPr lang="en-US" altLang="zh-CN"/>
           </a:p>
         </p:txBody>
       </p:sp>
@@ -3137,12 +3144,12 @@
         <p:spPr/>
         <p:txBody>
           <a:bodyPr/>
+          <a:lstStyle/>
           <a:p>
             <a:r>
               <a:rPr lang="en-US" altLang="zh-CN"/>
               <a:t>We compared H-, O- and OH-</a:t>
             </a:r>
-            <a:endParaRPr lang="en-US" altLang="zh-CN"/>
           </a:p>
         </p:txBody>
       </p:sp>
@@ -3155,14 +3162,14 @@
           <p:nvPr/>
         </p:nvPicPr>
         <p:blipFill>
-          <a:blip r:embed="rId1"/>
+          <a:blip r:embed="rId2"/>
           <a:stretch>
             <a:fillRect/>
           </a:stretch>
         </p:blipFill>
         <p:spPr>
           <a:xfrm>
-            <a:off x="6922135" y="563245"/>
+            <a:off x="6855634" y="563245"/>
             <a:ext cx="4011295" cy="2866390"/>
           </a:xfrm>
           <a:prstGeom prst="rect">
@@ -3179,7 +3186,7 @@
           <p:nvPr/>
         </p:nvPicPr>
         <p:blipFill>
-          <a:blip r:embed="rId2"/>
+          <a:blip r:embed="rId3"/>
           <a:stretch>
             <a:fillRect/>
           </a:stretch>
@@ -3203,7 +3210,7 @@
           <p:nvPr/>
         </p:nvPicPr>
         <p:blipFill>
-          <a:blip r:embed="rId3"/>
+          <a:blip r:embed="rId4"/>
           <a:stretch>
             <a:fillRect/>
           </a:stretch>
@@ -3235,7 +3242,14 @@
         <p:cNvGrpSpPr/>
         <p:nvPr/>
       </p:nvGrpSpPr>
-      <p:grpSpPr/>
+      <p:grpSpPr>
+        <a:xfrm>
+          <a:off x="0" y="0"/>
+          <a:ext cx="0" cy="0"/>
+          <a:chOff x="0" y="0"/>
+          <a:chExt cx="0" cy="0"/>
+        </a:xfrm>
+      </p:grpSpPr>
       <p:sp>
         <p:nvSpPr>
           <p:cNvPr id="2" name="标题 1"/>
@@ -3249,12 +3263,12 @@
         <p:spPr/>
         <p:txBody>
           <a:bodyPr/>
+          <a:lstStyle/>
           <a:p>
             <a:r>
               <a:rPr lang="en-US" altLang="zh-CN"/>
               <a:t>1st Week (5.10-17)</a:t>
             </a:r>
-            <a:endParaRPr lang="en-US" altLang="zh-CN"/>
           </a:p>
         </p:txBody>
       </p:sp>
@@ -3271,33 +3285,30 @@
         <p:spPr/>
         <p:txBody>
           <a:bodyPr/>
+          <a:lstStyle/>
           <a:p>
             <a:r>
               <a:rPr lang="en-US" altLang="zh-CN"/>
               <a:t>Aim:</a:t>
             </a:r>
-            <a:endParaRPr lang="en-US" altLang="zh-CN"/>
           </a:p>
           <a:p>
             <a:r>
               <a:rPr lang="en-US" altLang="zh-CN"/>
               <a:t>Import solar flux data into Python</a:t>
             </a:r>
-            <a:endParaRPr lang="en-US" altLang="zh-CN"/>
           </a:p>
           <a:p>
             <a:r>
               <a:rPr lang="en-US" altLang="zh-CN"/>
               <a:t>Find cross section for H- </a:t>
             </a:r>
-            <a:endParaRPr lang="en-US" altLang="zh-CN"/>
           </a:p>
           <a:p>
             <a:r>
               <a:rPr lang="en-US" altLang="zh-CN"/>
               <a:t>Reproduce reaction rate of 14 s^-1</a:t>
             </a:r>
-            <a:endParaRPr lang="en-US" altLang="zh-CN"/>
           </a:p>
           <a:p>
             <a:endParaRPr lang="en-US" altLang="zh-CN"/>
@@ -3307,14 +3318,12 @@
               <a:rPr lang="en-US" altLang="zh-CN"/>
               <a:t>In addition:</a:t>
             </a:r>
-            <a:endParaRPr lang="en-US" altLang="zh-CN"/>
           </a:p>
           <a:p>
             <a:r>
               <a:rPr lang="en-US" altLang="zh-CN"/>
               <a:t>Calculation of reaction rates of other anions including Cl-, both at Saturn and on Earth.</a:t>
             </a:r>
-            <a:endParaRPr lang="en-US" altLang="zh-CN"/>
           </a:p>
         </p:txBody>
       </p:sp>
@@ -3335,7 +3344,14 @@
         <p:cNvGrpSpPr/>
         <p:nvPr/>
       </p:nvGrpSpPr>
-      <p:grpSpPr/>
+      <p:grpSpPr>
+        <a:xfrm>
+          <a:off x="0" y="0"/>
+          <a:ext cx="0" cy="0"/>
+          <a:chOff x="0" y="0"/>
+          <a:chExt cx="0" cy="0"/>
+        </a:xfrm>
+      </p:grpSpPr>
       <p:sp>
         <p:nvSpPr>
           <p:cNvPr id="2" name="标题 1"/>
@@ -3354,6 +3370,7 @@
         </p:spPr>
         <p:txBody>
           <a:bodyPr/>
+          <a:lstStyle/>
           <a:p>
             <a:r>
               <a:rPr lang="en-US" altLang="zh-CN">
@@ -3369,14 +3386,14 @@
         <p:nvPicPr>
           <p:cNvPr id="6" name="图片占位符 5" descr="SolarFlux"/>
           <p:cNvPicPr>
-            <a:picLocks noChangeAspect="1"/>
+            <a:picLocks noGrp="1" noChangeAspect="1"/>
           </p:cNvPicPr>
           <p:nvPr>
             <p:ph type="pic" idx="1"/>
           </p:nvPr>
         </p:nvPicPr>
         <p:blipFill>
-          <a:blip r:embed="rId1"/>
+          <a:blip r:embed="rId2"/>
           <a:stretch>
             <a:fillRect/>
           </a:stretch>
@@ -3404,19 +3421,18 @@
         <p:spPr/>
         <p:txBody>
           <a:bodyPr/>
+          <a:lstStyle/>
           <a:p>
             <a:r>
               <a:rPr lang="en-US" altLang="zh-CN"/>
               <a:t>......</a:t>
             </a:r>
-            <a:endParaRPr lang="en-US" altLang="zh-CN"/>
           </a:p>
           <a:p>
             <a:r>
               <a:rPr lang="en-US" altLang="zh-CN"/>
               <a:t>(A on all the diagrams = Angstrom = Å)</a:t>
             </a:r>
-            <a:endParaRPr lang="en-US" altLang="zh-CN"/>
           </a:p>
         </p:txBody>
       </p:sp>
@@ -3465,7 +3481,6 @@
               <a:rPr lang="en-US" altLang="zh-CN"/>
               <a:t>Results</a:t>
             </a:r>
-            <a:endParaRPr lang="en-US" altLang="zh-CN"/>
           </a:p>
         </p:txBody>
       </p:sp>
@@ -3486,7 +3501,14 @@
         <p:cNvGrpSpPr/>
         <p:nvPr/>
       </p:nvGrpSpPr>
-      <p:grpSpPr/>
+      <p:grpSpPr>
+        <a:xfrm>
+          <a:off x="0" y="0"/>
+          <a:ext cx="0" cy="0"/>
+          <a:chOff x="0" y="0"/>
+          <a:chExt cx="0" cy="0"/>
+        </a:xfrm>
+      </p:grpSpPr>
       <p:sp>
         <p:nvSpPr>
           <p:cNvPr id="6" name="标题 5"/>
@@ -3500,12 +3522,12 @@
         <p:spPr/>
         <p:txBody>
           <a:bodyPr/>
+          <a:lstStyle/>
           <a:p>
             <a:r>
               <a:rPr lang="en-US" altLang="zh-CN"/>
               <a:t>Reaction Rate of H-</a:t>
             </a:r>
-            <a:endParaRPr lang="en-US" altLang="zh-CN"/>
           </a:p>
         </p:txBody>
       </p:sp>
@@ -3522,6 +3544,7 @@
         <p:spPr/>
         <p:txBody>
           <a:bodyPr/>
+          <a:lstStyle/>
           <a:p>
             <a:pPr>
               <a:lnSpc>
@@ -3556,7 +3579,6 @@
               <a:rPr lang="en-US" altLang="zh-CN"/>
               <a:t>Rate = 14.1556 s^-1</a:t>
             </a:r>
-            <a:endParaRPr lang="en-US" altLang="zh-CN"/>
           </a:p>
         </p:txBody>
       </p:sp>
@@ -3564,14 +3586,14 @@
         <p:nvPicPr>
           <p:cNvPr id="7" name="图片占位符 6" descr="h-rate"/>
           <p:cNvPicPr>
-            <a:picLocks noChangeAspect="1"/>
+            <a:picLocks noGrp="1" noChangeAspect="1"/>
           </p:cNvPicPr>
           <p:nvPr>
             <p:ph type="pic" idx="1"/>
           </p:nvPr>
         </p:nvPicPr>
         <p:blipFill>
-          <a:blip r:embed="rId1"/>
+          <a:blip r:embed="rId2"/>
           <a:stretch>
             <a:fillRect/>
           </a:stretch>
@@ -3603,7 +3625,14 @@
         <p:cNvGrpSpPr/>
         <p:nvPr/>
       </p:nvGrpSpPr>
-      <p:grpSpPr/>
+      <p:grpSpPr>
+        <a:xfrm>
+          <a:off x="0" y="0"/>
+          <a:ext cx="0" cy="0"/>
+          <a:chOff x="0" y="0"/>
+          <a:chExt cx="0" cy="0"/>
+        </a:xfrm>
+      </p:grpSpPr>
       <p:graphicFrame>
         <p:nvGraphicFramePr>
           <p:cNvPr id="2" name="表格 1"/>
@@ -3621,20 +3650,75 @@
                 <a:tableStyleId>{5C22544A-7EE6-4342-B048-85BDC9FD1C3A}</a:tableStyleId>
               </a:tblPr>
               <a:tblGrid>
-                <a:gridCol w="1865630"/>
-                <a:gridCol w="1036320"/>
-                <a:gridCol w="1029335"/>
-                <a:gridCol w="1360170"/>
-                <a:gridCol w="1144905"/>
-                <a:gridCol w="1061720"/>
-                <a:gridCol w="1160145"/>
-                <a:gridCol w="1316990"/>
-                <a:gridCol w="1116330"/>
+                <a:gridCol w="1865630">
+                  <a:extLst>
+                    <a:ext uri="{9D8B030D-6E8A-4147-A177-3AD203B41FA5}">
+                      <a16:colId xmlns:a16="http://schemas.microsoft.com/office/drawing/2014/main" val="20000"/>
+                    </a:ext>
+                  </a:extLst>
+                </a:gridCol>
+                <a:gridCol w="1036320">
+                  <a:extLst>
+                    <a:ext uri="{9D8B030D-6E8A-4147-A177-3AD203B41FA5}">
+                      <a16:colId xmlns:a16="http://schemas.microsoft.com/office/drawing/2014/main" val="20001"/>
+                    </a:ext>
+                  </a:extLst>
+                </a:gridCol>
+                <a:gridCol w="1029335">
+                  <a:extLst>
+                    <a:ext uri="{9D8B030D-6E8A-4147-A177-3AD203B41FA5}">
+                      <a16:colId xmlns:a16="http://schemas.microsoft.com/office/drawing/2014/main" val="20002"/>
+                    </a:ext>
+                  </a:extLst>
+                </a:gridCol>
+                <a:gridCol w="1360170">
+                  <a:extLst>
+                    <a:ext uri="{9D8B030D-6E8A-4147-A177-3AD203B41FA5}">
+                      <a16:colId xmlns:a16="http://schemas.microsoft.com/office/drawing/2014/main" val="20003"/>
+                    </a:ext>
+                  </a:extLst>
+                </a:gridCol>
+                <a:gridCol w="1144905">
+                  <a:extLst>
+                    <a:ext uri="{9D8B030D-6E8A-4147-A177-3AD203B41FA5}">
+                      <a16:colId xmlns:a16="http://schemas.microsoft.com/office/drawing/2014/main" val="20004"/>
+                    </a:ext>
+                  </a:extLst>
+                </a:gridCol>
+                <a:gridCol w="1061720">
+                  <a:extLst>
+                    <a:ext uri="{9D8B030D-6E8A-4147-A177-3AD203B41FA5}">
+                      <a16:colId xmlns:a16="http://schemas.microsoft.com/office/drawing/2014/main" val="20005"/>
+                    </a:ext>
+                  </a:extLst>
+                </a:gridCol>
+                <a:gridCol w="1160145">
+                  <a:extLst>
+                    <a:ext uri="{9D8B030D-6E8A-4147-A177-3AD203B41FA5}">
+                      <a16:colId xmlns:a16="http://schemas.microsoft.com/office/drawing/2014/main" val="20006"/>
+                    </a:ext>
+                  </a:extLst>
+                </a:gridCol>
+                <a:gridCol w="1316990">
+                  <a:extLst>
+                    <a:ext uri="{9D8B030D-6E8A-4147-A177-3AD203B41FA5}">
+                      <a16:colId xmlns:a16="http://schemas.microsoft.com/office/drawing/2014/main" val="20007"/>
+                    </a:ext>
+                  </a:extLst>
+                </a:gridCol>
+                <a:gridCol w="1116330">
+                  <a:extLst>
+                    <a:ext uri="{9D8B030D-6E8A-4147-A177-3AD203B41FA5}">
+                      <a16:colId xmlns:a16="http://schemas.microsoft.com/office/drawing/2014/main" val="20008"/>
+                    </a:ext>
+                  </a:extLst>
+                </a:gridCol>
               </a:tblGrid>
               <a:tr h="376555">
                 <a:tc>
                   <a:txBody>
                     <a:bodyPr/>
+                    <a:lstStyle/>
                     <a:p>
                       <a:pPr>
                         <a:buNone/>
@@ -3643,7 +3727,6 @@
                         <a:rPr lang="en-US" altLang="zh-CN"/>
                         <a:t>Chemical</a:t>
                       </a:r>
-                      <a:endParaRPr lang="en-US" altLang="zh-CN"/>
                     </a:p>
                   </a:txBody>
                   <a:tcPr/>
@@ -3651,6 +3734,7 @@
                 <a:tc>
                   <a:txBody>
                     <a:bodyPr/>
+                    <a:lstStyle/>
                     <a:p>
                       <a:pPr>
                         <a:buNone/>
@@ -3659,7 +3743,6 @@
                         <a:rPr lang="en-US" altLang="zh-CN"/>
                         <a:t>C-</a:t>
                       </a:r>
-                      <a:endParaRPr lang="en-US" altLang="zh-CN"/>
                     </a:p>
                   </a:txBody>
                   <a:tcPr/>
@@ -3667,6 +3750,7 @@
                 <a:tc>
                   <a:txBody>
                     <a:bodyPr/>
+                    <a:lstStyle/>
                     <a:p>
                       <a:pPr>
                         <a:buNone/>
@@ -3675,7 +3759,6 @@
                         <a:rPr lang="en-US" altLang="zh-CN"/>
                         <a:t>O-</a:t>
                       </a:r>
-                      <a:endParaRPr lang="en-US" altLang="zh-CN"/>
                     </a:p>
                   </a:txBody>
                   <a:tcPr/>
@@ -3683,6 +3766,7 @@
                 <a:tc>
                   <a:txBody>
                     <a:bodyPr/>
+                    <a:lstStyle/>
                     <a:p>
                       <a:pPr>
                         <a:buNone/>
@@ -3691,7 +3775,6 @@
                         <a:rPr lang="en-US" altLang="zh-CN"/>
                         <a:t>F-</a:t>
                       </a:r>
-                      <a:endParaRPr lang="en-US" altLang="zh-CN"/>
                     </a:p>
                   </a:txBody>
                   <a:tcPr/>
@@ -3699,6 +3782,7 @@
                 <a:tc>
                   <a:txBody>
                     <a:bodyPr/>
+                    <a:lstStyle/>
                     <a:p>
                       <a:pPr>
                         <a:buNone/>
@@ -3707,7 +3791,6 @@
                         <a:rPr lang="en-US" altLang="zh-CN"/>
                         <a:t>Si-</a:t>
                       </a:r>
-                      <a:endParaRPr lang="en-US" altLang="zh-CN"/>
                     </a:p>
                   </a:txBody>
                   <a:tcPr/>
@@ -3715,6 +3798,7 @@
                 <a:tc>
                   <a:txBody>
                     <a:bodyPr/>
+                    <a:lstStyle/>
                     <a:p>
                       <a:pPr>
                         <a:buNone/>
@@ -3723,7 +3807,6 @@
                         <a:rPr lang="en-US" altLang="zh-CN"/>
                         <a:t>S-</a:t>
                       </a:r>
-                      <a:endParaRPr lang="en-US" altLang="zh-CN"/>
                     </a:p>
                   </a:txBody>
                   <a:tcPr/>
@@ -3731,6 +3814,7 @@
                 <a:tc>
                   <a:txBody>
                     <a:bodyPr/>
+                    <a:lstStyle/>
                     <a:p>
                       <a:pPr>
                         <a:buNone/>
@@ -3739,7 +3823,6 @@
                         <a:rPr lang="en-US" altLang="zh-CN"/>
                         <a:t>Cl-</a:t>
                       </a:r>
-                      <a:endParaRPr lang="en-US" altLang="zh-CN"/>
                     </a:p>
                   </a:txBody>
                   <a:tcPr/>
@@ -3747,6 +3830,7 @@
                 <a:tc>
                   <a:txBody>
                     <a:bodyPr/>
+                    <a:lstStyle/>
                     <a:p>
                       <a:pPr>
                         <a:buNone/>
@@ -3755,7 +3839,6 @@
                         <a:rPr lang="en-US" altLang="zh-CN"/>
                         <a:t>Br-</a:t>
                       </a:r>
-                      <a:endParaRPr lang="en-US" altLang="zh-CN"/>
                     </a:p>
                   </a:txBody>
                   <a:tcPr/>
@@ -3763,6 +3846,7 @@
                 <a:tc>
                   <a:txBody>
                     <a:bodyPr/>
+                    <a:lstStyle/>
                     <a:p>
                       <a:pPr>
                         <a:buNone/>
@@ -3771,16 +3855,21 @@
                         <a:rPr lang="en-US" altLang="zh-CN"/>
                         <a:t>I-</a:t>
                       </a:r>
-                      <a:endParaRPr lang="en-US" altLang="zh-CN"/>
                     </a:p>
                   </a:txBody>
                   <a:tcPr/>
                 </a:tc>
+                <a:extLst>
+                  <a:ext uri="{0D108BD9-81ED-4DB2-BD59-A6C34878D82A}">
+                    <a16:rowId xmlns:a16="http://schemas.microsoft.com/office/drawing/2014/main" val="10000"/>
+                  </a:ext>
+                </a:extLst>
               </a:tr>
               <a:tr h="640080">
                 <a:tc>
                   <a:txBody>
                     <a:bodyPr/>
+                    <a:lstStyle/>
                     <a:p>
                       <a:pPr>
                         <a:buNone/>
@@ -3789,7 +3878,6 @@
                         <a:rPr lang="en-US" altLang="zh-CN"/>
                         <a:t>Reaction rate at 1 AU (s^-1)</a:t>
                       </a:r>
-                      <a:endParaRPr lang="en-US" altLang="zh-CN"/>
                     </a:p>
                   </a:txBody>
                   <a:tcPr/>
@@ -3797,6 +3885,7 @@
                 <a:tc>
                   <a:txBody>
                     <a:bodyPr/>
+                    <a:lstStyle/>
                     <a:p>
                       <a:pPr>
                         <a:buNone/>
@@ -3805,7 +3894,6 @@
                         <a:rPr lang="zh-CN" altLang="en-US"/>
                         <a:t>3.394</a:t>
                       </a:r>
-                      <a:endParaRPr lang="zh-CN" altLang="en-US"/>
                     </a:p>
                   </a:txBody>
                   <a:tcPr/>
@@ -3813,6 +3901,7 @@
                 <a:tc>
                   <a:txBody>
                     <a:bodyPr/>
+                    <a:lstStyle/>
                     <a:p>
                       <a:pPr>
                         <a:buNone/>
@@ -3821,7 +3910,6 @@
                         <a:rPr lang="en-US" altLang="zh-CN"/>
                         <a:t>1.768</a:t>
                       </a:r>
-                      <a:endParaRPr lang="en-US" altLang="zh-CN"/>
                     </a:p>
                   </a:txBody>
                   <a:tcPr/>
@@ -3829,6 +3917,7 @@
                 <a:tc>
                   <a:txBody>
                     <a:bodyPr/>
+                    <a:lstStyle/>
                     <a:p>
                       <a:pPr>
                         <a:buNone/>
@@ -3841,7 +3930,6 @@
                         <a:rPr lang="en-US" altLang="zh-CN"/>
                         <a:t>8</a:t>
                       </a:r>
-                      <a:endParaRPr lang="en-US" altLang="zh-CN"/>
                     </a:p>
                   </a:txBody>
                   <a:tcPr/>
@@ -3849,6 +3937,7 @@
                 <a:tc>
                   <a:txBody>
                     <a:bodyPr/>
+                    <a:lstStyle/>
                     <a:p>
                       <a:pPr>
                         <a:buNone/>
@@ -3857,7 +3946,6 @@
                         <a:rPr lang="zh-CN" altLang="en-US"/>
                         <a:t>8.047</a:t>
                       </a:r>
-                      <a:endParaRPr lang="zh-CN" altLang="en-US"/>
                     </a:p>
                   </a:txBody>
                   <a:tcPr/>
@@ -3865,6 +3953,7 @@
                 <a:tc>
                   <a:txBody>
                     <a:bodyPr/>
+                    <a:lstStyle/>
                     <a:p>
                       <a:pPr>
                         <a:buNone/>
@@ -3873,7 +3962,6 @@
                         <a:rPr lang="zh-CN" altLang="en-US"/>
                         <a:t>1.556</a:t>
                       </a:r>
-                      <a:endParaRPr lang="zh-CN" altLang="en-US"/>
                     </a:p>
                   </a:txBody>
                   <a:tcPr/>
@@ -3881,6 +3969,7 @@
                 <a:tc>
                   <a:txBody>
                     <a:bodyPr/>
+                    <a:lstStyle/>
                     <a:p>
                       <a:pPr>
                         <a:buNone/>
@@ -3889,7 +3978,6 @@
                         <a:rPr lang="zh-CN" altLang="en-US"/>
                         <a:t>0.1163</a:t>
                       </a:r>
-                      <a:endParaRPr lang="zh-CN" altLang="en-US"/>
                     </a:p>
                   </a:txBody>
                   <a:tcPr/>
@@ -3897,6 +3985,7 @@
                 <a:tc>
                   <a:txBody>
                     <a:bodyPr/>
+                    <a:lstStyle/>
                     <a:p>
                       <a:pPr>
                         <a:buNone/>
@@ -3909,7 +3998,6 @@
                         <a:rPr lang="en-US" altLang="zh-CN"/>
                         <a:t>2</a:t>
                       </a:r>
-                      <a:endParaRPr lang="en-US" altLang="zh-CN"/>
                     </a:p>
                   </a:txBody>
                   <a:tcPr/>
@@ -3917,6 +4005,7 @@
                 <a:tc>
                   <a:txBody>
                     <a:bodyPr/>
+                    <a:lstStyle/>
                     <a:p>
                       <a:pPr>
                         <a:buNone/>
@@ -3925,16 +4014,21 @@
                         <a:rPr lang="zh-CN" altLang="en-US"/>
                         <a:t> 0.4808</a:t>
                       </a:r>
-                      <a:endParaRPr lang="zh-CN" altLang="en-US"/>
                     </a:p>
                   </a:txBody>
                   <a:tcPr/>
                 </a:tc>
+                <a:extLst>
+                  <a:ext uri="{0D108BD9-81ED-4DB2-BD59-A6C34878D82A}">
+                    <a16:rowId xmlns:a16="http://schemas.microsoft.com/office/drawing/2014/main" val="10001"/>
+                  </a:ext>
+                </a:extLst>
               </a:tr>
               <a:tr h="739775">
                 <a:tc>
                   <a:txBody>
                     <a:bodyPr/>
+                    <a:lstStyle/>
                     <a:p>
                       <a:pPr>
                         <a:buNone/>
@@ -3943,7 +4037,6 @@
                         <a:rPr lang="en-US" altLang="zh-CN"/>
                         <a:t>Reaction rate</a:t>
                       </a:r>
-                      <a:endParaRPr lang="en-US" altLang="zh-CN"/>
                     </a:p>
                     <a:p>
                       <a:pPr>
@@ -3967,6 +4060,7 @@
                 <a:tc>
                   <a:txBody>
                     <a:bodyPr/>
+                    <a:lstStyle/>
                     <a:p>
                       <a:pPr>
                         <a:buNone/>
@@ -3975,7 +4069,6 @@
                         <a:rPr lang="zh-CN" altLang="en-US"/>
                         <a:t>0.04121</a:t>
                       </a:r>
-                      <a:endParaRPr lang="zh-CN" altLang="en-US"/>
                     </a:p>
                   </a:txBody>
                   <a:tcPr/>
@@ -3983,6 +4076,7 @@
                 <a:tc>
                   <a:txBody>
                     <a:bodyPr/>
+                    <a:lstStyle/>
                     <a:p>
                       <a:pPr>
                         <a:buNone/>
@@ -3991,7 +4085,6 @@
                         <a:rPr lang="zh-CN" altLang="en-US"/>
                         <a:t>0.02147</a:t>
                       </a:r>
-                      <a:endParaRPr lang="zh-CN" altLang="en-US"/>
                     </a:p>
                   </a:txBody>
                   <a:tcPr/>
@@ -3999,6 +4092,7 @@
                 <a:tc>
                   <a:txBody>
                     <a:bodyPr/>
+                    <a:lstStyle/>
                     <a:p>
                       <a:pPr>
                         <a:buNone/>
@@ -4011,7 +4105,6 @@
                         <a:rPr lang="en-US" altLang="zh-CN"/>
                         <a:t>0</a:t>
                       </a:r>
-                      <a:endParaRPr lang="en-US" altLang="zh-CN"/>
                     </a:p>
                   </a:txBody>
                   <a:tcPr/>
@@ -4019,6 +4112,7 @@
                 <a:tc>
                   <a:txBody>
                     <a:bodyPr/>
+                    <a:lstStyle/>
                     <a:p>
                       <a:pPr>
                         <a:buNone/>
@@ -4031,7 +4125,6 @@
                         <a:rPr lang="en-US" altLang="zh-CN"/>
                         <a:t>2</a:t>
                       </a:r>
-                      <a:endParaRPr lang="en-US" altLang="zh-CN"/>
                     </a:p>
                   </a:txBody>
                   <a:tcPr/>
@@ -4039,6 +4132,7 @@
                 <a:tc>
                   <a:txBody>
                     <a:bodyPr/>
+                    <a:lstStyle/>
                     <a:p>
                       <a:pPr>
                         <a:buNone/>
@@ -4051,7 +4145,6 @@
                         <a:rPr lang="en-US" altLang="zh-CN"/>
                         <a:t>90</a:t>
                       </a:r>
-                      <a:endParaRPr lang="en-US" altLang="zh-CN"/>
                     </a:p>
                   </a:txBody>
                   <a:tcPr/>
@@ -4059,6 +4152,7 @@
                 <a:tc>
                   <a:txBody>
                     <a:bodyPr/>
+                    <a:lstStyle/>
                     <a:p>
                       <a:pPr>
                         <a:buNone/>
@@ -4067,7 +4161,6 @@
                         <a:rPr lang="zh-CN" altLang="en-US"/>
                         <a:t> 0.001412</a:t>
                       </a:r>
-                      <a:endParaRPr lang="zh-CN" altLang="en-US"/>
                     </a:p>
                   </a:txBody>
                   <a:tcPr/>
@@ -4075,6 +4168,7 @@
                 <a:tc>
                   <a:txBody>
                     <a:bodyPr/>
+                    <a:lstStyle/>
                     <a:p>
                       <a:pPr>
                         <a:buNone/>
@@ -4083,7 +4177,6 @@
                         <a:rPr lang="zh-CN" altLang="en-US"/>
                         <a:t> 0.002928</a:t>
                       </a:r>
-                      <a:endParaRPr lang="zh-CN" altLang="en-US"/>
                     </a:p>
                   </a:txBody>
                   <a:tcPr/>
@@ -4091,6 +4184,7 @@
                 <a:tc>
                   <a:txBody>
                     <a:bodyPr/>
+                    <a:lstStyle/>
                     <a:p>
                       <a:pPr>
                         <a:buNone/>
@@ -4099,16 +4193,21 @@
                         <a:rPr lang="zh-CN" altLang="en-US"/>
                         <a:t>0.005838</a:t>
                       </a:r>
-                      <a:endParaRPr lang="zh-CN" altLang="en-US"/>
                     </a:p>
                   </a:txBody>
                   <a:tcPr/>
                 </a:tc>
+                <a:extLst>
+                  <a:ext uri="{0D108BD9-81ED-4DB2-BD59-A6C34878D82A}">
+                    <a16:rowId xmlns:a16="http://schemas.microsoft.com/office/drawing/2014/main" val="10002"/>
+                  </a:ext>
+                </a:extLst>
               </a:tr>
               <a:tr h="739775">
                 <a:tc>
                   <a:txBody>
                     <a:bodyPr/>
+                    <a:lstStyle/>
                     <a:p>
                       <a:pPr>
                         <a:buNone/>
@@ -4117,7 +4216,6 @@
                         <a:rPr lang="en-US" altLang="zh-CN"/>
                         <a:t>Half life </a:t>
                       </a:r>
-                      <a:endParaRPr lang="en-US" altLang="zh-CN"/>
                     </a:p>
                     <a:p>
                       <a:pPr>
@@ -4127,7 +4225,6 @@
                         <a:rPr lang="en-US" altLang="zh-CN"/>
                         <a:t>at Enceladus (s)</a:t>
                       </a:r>
-                      <a:endParaRPr lang="en-US" altLang="zh-CN"/>
                     </a:p>
                   </a:txBody>
                   <a:tcPr/>
@@ -4135,6 +4232,7 @@
                 <a:tc>
                   <a:txBody>
                     <a:bodyPr/>
+                    <a:lstStyle/>
                     <a:p>
                       <a:pPr>
                         <a:buNone/>
@@ -4151,6 +4249,7 @@
                 <a:tc>
                   <a:txBody>
                     <a:bodyPr/>
+                    <a:lstStyle/>
                     <a:p>
                       <a:pPr>
                         <a:buNone/>
@@ -4163,7 +4262,6 @@
                         <a:rPr lang="en-US" altLang="zh-CN"/>
                         <a:t>7</a:t>
                       </a:r>
-                      <a:endParaRPr lang="en-US" altLang="zh-CN"/>
                     </a:p>
                   </a:txBody>
                   <a:tcPr/>
@@ -4171,6 +4269,7 @@
                 <a:tc>
                   <a:txBody>
                     <a:bodyPr/>
+                    <a:lstStyle/>
                     <a:p>
                       <a:pPr>
                         <a:buNone/>
@@ -4187,6 +4286,7 @@
                 <a:tc>
                   <a:txBody>
                     <a:bodyPr/>
+                    <a:lstStyle/>
                     <a:p>
                       <a:pPr>
                         <a:buNone/>
@@ -4195,7 +4295,6 @@
                         <a:rPr lang="zh-CN" altLang="en-US"/>
                         <a:t>10.23</a:t>
                       </a:r>
-                      <a:endParaRPr lang="zh-CN" altLang="en-US"/>
                     </a:p>
                   </a:txBody>
                   <a:tcPr/>
@@ -4203,6 +4302,7 @@
                 <a:tc>
                   <a:txBody>
                     <a:bodyPr/>
+                    <a:lstStyle/>
                     <a:p>
                       <a:pPr>
                         <a:buNone/>
@@ -4219,6 +4319,7 @@
                 <a:tc>
                   <a:txBody>
                     <a:bodyPr/>
+                    <a:lstStyle/>
                     <a:p>
                       <a:pPr>
                         <a:buNone/>
@@ -4227,7 +4328,6 @@
                         <a:rPr lang="zh-CN" altLang="en-US"/>
                         <a:t>708.0</a:t>
                       </a:r>
-                      <a:endParaRPr lang="zh-CN" altLang="en-US"/>
                     </a:p>
                   </a:txBody>
                   <a:tcPr/>
@@ -4235,6 +4335,7 @@
                 <a:tc>
                   <a:txBody>
                     <a:bodyPr/>
+                    <a:lstStyle/>
                     <a:p>
                       <a:pPr>
                         <a:buNone/>
@@ -4243,7 +4344,6 @@
                         <a:rPr lang="zh-CN" altLang="en-US"/>
                         <a:t>341.4</a:t>
                       </a:r>
-                      <a:endParaRPr lang="zh-CN" altLang="en-US"/>
                     </a:p>
                   </a:txBody>
                   <a:tcPr/>
@@ -4251,6 +4351,7 @@
                 <a:tc>
                   <a:txBody>
                     <a:bodyPr/>
+                    <a:lstStyle/>
                     <a:p>
                       <a:pPr>
                         <a:buNone/>
@@ -4263,11 +4364,15 @@
                         <a:rPr lang="en-US" altLang="zh-CN"/>
                         <a:t>3</a:t>
                       </a:r>
-                      <a:endParaRPr lang="en-US" altLang="zh-CN"/>
                     </a:p>
                   </a:txBody>
                   <a:tcPr/>
                 </a:tc>
+                <a:extLst>
+                  <a:ext uri="{0D108BD9-81ED-4DB2-BD59-A6C34878D82A}">
+                    <a16:rowId xmlns:a16="http://schemas.microsoft.com/office/drawing/2014/main" val="10003"/>
+                  </a:ext>
+                </a:extLst>
               </a:tr>
             </a:tbl>
           </a:graphicData>
@@ -4341,7 +4446,14 @@
         <p:cNvGrpSpPr/>
         <p:nvPr/>
       </p:nvGrpSpPr>
-      <p:grpSpPr/>
+      <p:grpSpPr>
+        <a:xfrm>
+          <a:off x="0" y="0"/>
+          <a:ext cx="0" cy="0"/>
+          <a:chOff x="0" y="0"/>
+          <a:chExt cx="0" cy="0"/>
+        </a:xfrm>
+      </p:grpSpPr>
       <p:pic>
         <p:nvPicPr>
           <p:cNvPr id="7" name="图片 6" descr="f-"/>
@@ -4351,7 +4463,7 @@
           <p:nvPr/>
         </p:nvPicPr>
         <p:blipFill>
-          <a:blip r:embed="rId1"/>
+          <a:blip r:embed="rId2"/>
           <a:stretch>
             <a:fillRect/>
           </a:stretch>
@@ -4375,7 +4487,7 @@
           <p:nvPr/>
         </p:nvPicPr>
         <p:blipFill>
-          <a:blip r:embed="rId2"/>
+          <a:blip r:embed="rId3"/>
           <a:stretch>
             <a:fillRect/>
           </a:stretch>
@@ -4399,7 +4511,7 @@
           <p:nvPr/>
         </p:nvPicPr>
         <p:blipFill>
-          <a:blip r:embed="rId3"/>
+          <a:blip r:embed="rId4"/>
           <a:stretch>
             <a:fillRect/>
           </a:stretch>
@@ -4423,7 +4535,7 @@
           <p:nvPr/>
         </p:nvPicPr>
         <p:blipFill>
-          <a:blip r:embed="rId4"/>
+          <a:blip r:embed="rId5"/>
           <a:stretch>
             <a:fillRect/>
           </a:stretch>
@@ -4455,7 +4567,14 @@
         <p:cNvGrpSpPr/>
         <p:nvPr/>
       </p:nvGrpSpPr>
-      <p:grpSpPr/>
+      <p:grpSpPr>
+        <a:xfrm>
+          <a:off x="0" y="0"/>
+          <a:ext cx="0" cy="0"/>
+          <a:chOff x="0" y="0"/>
+          <a:chExt cx="0" cy="0"/>
+        </a:xfrm>
+      </p:grpSpPr>
       <p:pic>
         <p:nvPicPr>
           <p:cNvPr id="5" name="图片 4" descr="br-"/>
@@ -4465,7 +4584,7 @@
           <p:nvPr/>
         </p:nvPicPr>
         <p:blipFill>
-          <a:blip r:embed="rId1"/>
+          <a:blip r:embed="rId2"/>
           <a:stretch>
             <a:fillRect/>
           </a:stretch>
@@ -4489,7 +4608,7 @@
           <p:nvPr/>
         </p:nvPicPr>
         <p:blipFill>
-          <a:blip r:embed="rId2"/>
+          <a:blip r:embed="rId3"/>
           <a:stretch>
             <a:fillRect/>
           </a:stretch>
@@ -4513,7 +4632,7 @@
           <p:nvPr/>
         </p:nvPicPr>
         <p:blipFill>
-          <a:blip r:embed="rId3"/>
+          <a:blip r:embed="rId4"/>
           <a:stretch>
             <a:fillRect/>
           </a:stretch>
@@ -4537,7 +4656,7 @@
           <p:nvPr/>
         </p:nvPicPr>
         <p:blipFill>
-          <a:blip r:embed="rId4"/>
+          <a:blip r:embed="rId5"/>
           <a:stretch>
             <a:fillRect/>
           </a:stretch>
@@ -4569,7 +4688,14 @@
         <p:cNvGrpSpPr/>
         <p:nvPr/>
       </p:nvGrpSpPr>
-      <p:grpSpPr/>
+      <p:grpSpPr>
+        <a:xfrm>
+          <a:off x="0" y="0"/>
+          <a:ext cx="0" cy="0"/>
+          <a:chOff x="0" y="0"/>
+          <a:chExt cx="0" cy="0"/>
+        </a:xfrm>
+      </p:grpSpPr>
       <p:sp>
         <p:nvSpPr>
           <p:cNvPr id="2" name="标题 1"/>
@@ -4583,12 +4709,12 @@
         <p:spPr/>
         <p:txBody>
           <a:bodyPr/>
-          <a:p>
-            <a:r>
-              <a:rPr lang="en-US" altLang="zh-CN"/>
+          <a:lstStyle/>
+          <a:p>
+            <a:r>
+              <a:rPr lang="en-US" altLang="zh-CN" dirty="0"/>
               <a:t>2nd Week (5.17-24)</a:t>
             </a:r>
-            <a:endParaRPr lang="en-US" altLang="zh-CN"/>
           </a:p>
         </p:txBody>
       </p:sp>
@@ -4605,33 +4731,38 @@
         <p:spPr/>
         <p:txBody>
           <a:bodyPr/>
-          <a:p>
-            <a:r>
-              <a:rPr lang="en-US" altLang="zh-CN"/>
+          <a:lstStyle/>
+          <a:p>
+            <a:r>
+              <a:rPr lang="en-US" altLang="zh-CN" dirty="0"/>
               <a:t>Aim:</a:t>
             </a:r>
-            <a:endParaRPr lang="en-US" altLang="zh-CN"/>
-          </a:p>
-          <a:p>
-            <a:r>
-              <a:rPr lang="en-US" altLang="zh-CN"/>
-              <a:t>Half life/rection rate against distance (AU)</a:t>
-            </a:r>
-            <a:endParaRPr lang="en-US" altLang="zh-CN"/>
-          </a:p>
-          <a:p>
-            <a:r>
-              <a:rPr lang="en-US" altLang="zh-CN"/>
+          </a:p>
+          <a:p>
+            <a:r>
+              <a:rPr lang="en-US" altLang="zh-CN" dirty="0"/>
+              <a:t>Half life/</a:t>
+            </a:r>
+            <a:r>
+              <a:rPr lang="en-US" altLang="zh-CN" dirty="0" err="1"/>
+              <a:t>rection</a:t>
+            </a:r>
+            <a:r>
+              <a:rPr lang="en-US" altLang="zh-CN" dirty="0"/>
+              <a:t> rate against distance (AU)</a:t>
+            </a:r>
+          </a:p>
+          <a:p>
+            <a:r>
+              <a:rPr lang="en-US" altLang="zh-CN" dirty="0"/>
               <a:t>Cross section of OH-, H2O-, H3O- if they exist</a:t>
             </a:r>
-            <a:endParaRPr lang="en-US" altLang="zh-CN"/>
-          </a:p>
-          <a:p>
-            <a:r>
-              <a:rPr lang="en-US" altLang="zh-CN"/>
+          </a:p>
+          <a:p>
+            <a:r>
+              <a:rPr lang="en-US" altLang="zh-CN" dirty="0"/>
               <a:t>Comparison of results and theory</a:t>
             </a:r>
-            <a:endParaRPr lang="en-US" altLang="zh-CN"/>
           </a:p>
         </p:txBody>
       </p:sp>
@@ -4652,7 +4783,14 @@
         <p:cNvGrpSpPr/>
         <p:nvPr/>
       </p:nvGrpSpPr>
-      <p:grpSpPr/>
+      <p:grpSpPr>
+        <a:xfrm>
+          <a:off x="0" y="0"/>
+          <a:ext cx="0" cy="0"/>
+          <a:chOff x="0" y="0"/>
+          <a:chExt cx="0" cy="0"/>
+        </a:xfrm>
+      </p:grpSpPr>
       <p:sp>
         <p:nvSpPr>
           <p:cNvPr id="2" name="标题 1"/>
@@ -4671,6 +4809,7 @@
         </p:spPr>
         <p:txBody>
           <a:bodyPr/>
+          <a:lstStyle/>
           <a:p>
             <a:r>
               <a:rPr lang="en-US" altLang="zh-CN">
@@ -4700,33 +4839,30 @@
         </p:spPr>
         <p:txBody>
           <a:bodyPr/>
-          <a:p>
-            <a:r>
-              <a:rPr lang="en-US" altLang="zh-CN"/>
+          <a:lstStyle/>
+          <a:p>
+            <a:r>
+              <a:rPr lang="en-US" altLang="zh-CN" dirty="0"/>
               <a:t>The total reaction rate of H2O- is : </a:t>
             </a:r>
-            <a:endParaRPr lang="en-US" altLang="zh-CN"/>
-          </a:p>
-          <a:p>
-            <a:r>
-              <a:rPr lang="en-US" altLang="zh-CN"/>
+          </a:p>
+          <a:p>
+            <a:r>
+              <a:rPr lang="en-US" altLang="zh-CN" dirty="0"/>
               <a:t>0.060445 s^-1</a:t>
             </a:r>
-            <a:endParaRPr lang="en-US" altLang="zh-CN"/>
-          </a:p>
-          <a:p>
-            <a:r>
-              <a:rPr lang="en-US" altLang="zh-CN"/>
+          </a:p>
+          <a:p>
+            <a:r>
+              <a:rPr lang="en-US" altLang="zh-CN" dirty="0"/>
               <a:t>The total reaction rate of OH- is : </a:t>
             </a:r>
-            <a:endParaRPr lang="en-US" altLang="zh-CN"/>
-          </a:p>
-          <a:p>
-            <a:r>
-              <a:rPr lang="en-US" altLang="zh-CN"/>
+          </a:p>
+          <a:p>
+            <a:r>
+              <a:rPr lang="en-US" altLang="zh-CN" dirty="0"/>
               <a:t>0.856830 s^-1</a:t>
             </a:r>
-            <a:endParaRPr lang="en-US" altLang="zh-CN"/>
           </a:p>
         </p:txBody>
       </p:sp>
@@ -4775,7 +4911,6 @@
               <a:rPr lang="en-US" altLang="zh-CN"/>
               <a:t>Results</a:t>
             </a:r>
-            <a:endParaRPr lang="en-US" altLang="zh-CN"/>
           </a:p>
         </p:txBody>
       </p:sp>
@@ -4783,14 +4918,14 @@
         <p:nvPicPr>
           <p:cNvPr id="6" name="图片占位符 5"/>
           <p:cNvPicPr>
-            <a:picLocks noChangeAspect="1"/>
+            <a:picLocks noGrp="1" noChangeAspect="1"/>
           </p:cNvPicPr>
           <p:nvPr>
             <p:ph type="pic" idx="1"/>
           </p:nvPr>
         </p:nvPicPr>
         <p:blipFill>
-          <a:blip r:embed="rId1"/>
+          <a:blip r:embed="rId2"/>
           <a:stretch>
             <a:fillRect/>
           </a:stretch>
@@ -4814,7 +4949,7 @@
           <p:nvPr/>
         </p:nvPicPr>
         <p:blipFill>
-          <a:blip r:embed="rId2"/>
+          <a:blip r:embed="rId3"/>
           <a:stretch>
             <a:fillRect/>
           </a:stretch>
@@ -5088,6 +5223,8 @@
       </a:bgFillStyleLst>
     </a:fmtScheme>
   </a:themeElements>
+  <a:objectDefaults/>
+  <a:extraClrSchemeLst/>
   <a:extLst>
     <a:ext uri="{05A4C25C-085E-4340-85A3-A5531E510DB2}">
       <thm15:themeFamily xmlns:thm15="http://schemas.microsoft.com/office/thememl/2012/main" name="Office Theme" id="{62F939B6-93AF-4DB8-9C6B-D6C7DFDC589F}" vid="{4A3C46E8-61CC-4603-A589-7422A47A8E4A}"/>
